--- a/show/shark_attack.pptx
+++ b/show/shark_attack.pptx
@@ -9,6 +9,8 @@
     <p:sldId id="257" r:id="rId3"/>
     <p:sldId id="258" r:id="rId4"/>
     <p:sldId id="259" r:id="rId5"/>
+    <p:sldId id="260" r:id="rId6"/>
+    <p:sldId id="261" r:id="rId7"/>
   </p:sldIdLst>
   <p:sldSz cx="9144000" cy="6858000" type="screen4x3"/>
   <p:notesSz cx="6858000" cy="9144000"/>
@@ -291,6 +293,7 @@
           <a:p>
             <a:fld id="{D93D492F-888D-4D53-9EEC-D926D7A000EB}" type="datetimeFigureOut">
               <a:rPr lang="es-ES" smtClean="0"/>
+              <a:pPr/>
               <a:t>31/10/2022</a:t>
             </a:fld>
             <a:endParaRPr lang="es-ES"/>
@@ -333,6 +336,7 @@
           <a:p>
             <a:fld id="{B35FD293-0253-4F52-926A-14E086345CF1}" type="slidenum">
               <a:rPr lang="es-ES" smtClean="0"/>
+              <a:pPr/>
               <a:t>‹Nº›</a:t>
             </a:fld>
             <a:endParaRPr lang="es-ES"/>
@@ -456,6 +460,7 @@
           <a:p>
             <a:fld id="{D93D492F-888D-4D53-9EEC-D926D7A000EB}" type="datetimeFigureOut">
               <a:rPr lang="es-ES" smtClean="0"/>
+              <a:pPr/>
               <a:t>31/10/2022</a:t>
             </a:fld>
             <a:endParaRPr lang="es-ES"/>
@@ -498,6 +503,7 @@
           <a:p>
             <a:fld id="{B35FD293-0253-4F52-926A-14E086345CF1}" type="slidenum">
               <a:rPr lang="es-ES" smtClean="0"/>
+              <a:pPr/>
               <a:t>‹Nº›</a:t>
             </a:fld>
             <a:endParaRPr lang="es-ES"/>
@@ -631,6 +637,7 @@
           <a:p>
             <a:fld id="{D93D492F-888D-4D53-9EEC-D926D7A000EB}" type="datetimeFigureOut">
               <a:rPr lang="es-ES" smtClean="0"/>
+              <a:pPr/>
               <a:t>31/10/2022</a:t>
             </a:fld>
             <a:endParaRPr lang="es-ES"/>
@@ -673,6 +680,7 @@
           <a:p>
             <a:fld id="{B35FD293-0253-4F52-926A-14E086345CF1}" type="slidenum">
               <a:rPr lang="es-ES" smtClean="0"/>
+              <a:pPr/>
               <a:t>‹Nº›</a:t>
             </a:fld>
             <a:endParaRPr lang="es-ES"/>
@@ -796,6 +804,7 @@
           <a:p>
             <a:fld id="{D93D492F-888D-4D53-9EEC-D926D7A000EB}" type="datetimeFigureOut">
               <a:rPr lang="es-ES" smtClean="0"/>
+              <a:pPr/>
               <a:t>31/10/2022</a:t>
             </a:fld>
             <a:endParaRPr lang="es-ES"/>
@@ -838,6 +847,7 @@
           <a:p>
             <a:fld id="{B35FD293-0253-4F52-926A-14E086345CF1}" type="slidenum">
               <a:rPr lang="es-ES" smtClean="0"/>
+              <a:pPr/>
               <a:t>‹Nº›</a:t>
             </a:fld>
             <a:endParaRPr lang="es-ES"/>
@@ -1037,6 +1047,7 @@
           <a:p>
             <a:fld id="{D93D492F-888D-4D53-9EEC-D926D7A000EB}" type="datetimeFigureOut">
               <a:rPr lang="es-ES" smtClean="0"/>
+              <a:pPr/>
               <a:t>31/10/2022</a:t>
             </a:fld>
             <a:endParaRPr lang="es-ES"/>
@@ -1079,6 +1090,7 @@
           <a:p>
             <a:fld id="{B35FD293-0253-4F52-926A-14E086345CF1}" type="slidenum">
               <a:rPr lang="es-ES" smtClean="0"/>
+              <a:pPr/>
               <a:t>‹Nº›</a:t>
             </a:fld>
             <a:endParaRPr lang="es-ES"/>
@@ -1320,6 +1332,7 @@
           <a:p>
             <a:fld id="{D93D492F-888D-4D53-9EEC-D926D7A000EB}" type="datetimeFigureOut">
               <a:rPr lang="es-ES" smtClean="0"/>
+              <a:pPr/>
               <a:t>31/10/2022</a:t>
             </a:fld>
             <a:endParaRPr lang="es-ES"/>
@@ -1362,6 +1375,7 @@
           <a:p>
             <a:fld id="{B35FD293-0253-4F52-926A-14E086345CF1}" type="slidenum">
               <a:rPr lang="es-ES" smtClean="0"/>
+              <a:pPr/>
               <a:t>‹Nº›</a:t>
             </a:fld>
             <a:endParaRPr lang="es-ES"/>
@@ -1737,6 +1751,7 @@
           <a:p>
             <a:fld id="{D93D492F-888D-4D53-9EEC-D926D7A000EB}" type="datetimeFigureOut">
               <a:rPr lang="es-ES" smtClean="0"/>
+              <a:pPr/>
               <a:t>31/10/2022</a:t>
             </a:fld>
             <a:endParaRPr lang="es-ES"/>
@@ -1779,6 +1794,7 @@
           <a:p>
             <a:fld id="{B35FD293-0253-4F52-926A-14E086345CF1}" type="slidenum">
               <a:rPr lang="es-ES" smtClean="0"/>
+              <a:pPr/>
               <a:t>‹Nº›</a:t>
             </a:fld>
             <a:endParaRPr lang="es-ES"/>
@@ -1850,6 +1866,7 @@
           <a:p>
             <a:fld id="{D93D492F-888D-4D53-9EEC-D926D7A000EB}" type="datetimeFigureOut">
               <a:rPr lang="es-ES" smtClean="0"/>
+              <a:pPr/>
               <a:t>31/10/2022</a:t>
             </a:fld>
             <a:endParaRPr lang="es-ES"/>
@@ -1892,6 +1909,7 @@
           <a:p>
             <a:fld id="{B35FD293-0253-4F52-926A-14E086345CF1}" type="slidenum">
               <a:rPr lang="es-ES" smtClean="0"/>
+              <a:pPr/>
               <a:t>‹Nº›</a:t>
             </a:fld>
             <a:endParaRPr lang="es-ES"/>
@@ -1940,6 +1958,7 @@
           <a:p>
             <a:fld id="{D93D492F-888D-4D53-9EEC-D926D7A000EB}" type="datetimeFigureOut">
               <a:rPr lang="es-ES" smtClean="0"/>
+              <a:pPr/>
               <a:t>31/10/2022</a:t>
             </a:fld>
             <a:endParaRPr lang="es-ES"/>
@@ -1982,6 +2001,7 @@
           <a:p>
             <a:fld id="{B35FD293-0253-4F52-926A-14E086345CF1}" type="slidenum">
               <a:rPr lang="es-ES" smtClean="0"/>
+              <a:pPr/>
               <a:t>‹Nº›</a:t>
             </a:fld>
             <a:endParaRPr lang="es-ES"/>
@@ -2212,6 +2232,7 @@
           <a:p>
             <a:fld id="{D93D492F-888D-4D53-9EEC-D926D7A000EB}" type="datetimeFigureOut">
               <a:rPr lang="es-ES" smtClean="0"/>
+              <a:pPr/>
               <a:t>31/10/2022</a:t>
             </a:fld>
             <a:endParaRPr lang="es-ES"/>
@@ -2254,6 +2275,7 @@
           <a:p>
             <a:fld id="{B35FD293-0253-4F52-926A-14E086345CF1}" type="slidenum">
               <a:rPr lang="es-ES" smtClean="0"/>
+              <a:pPr/>
               <a:t>‹Nº›</a:t>
             </a:fld>
             <a:endParaRPr lang="es-ES"/>
@@ -2460,6 +2482,7 @@
           <a:p>
             <a:fld id="{D93D492F-888D-4D53-9EEC-D926D7A000EB}" type="datetimeFigureOut">
               <a:rPr lang="es-ES" smtClean="0"/>
+              <a:pPr/>
               <a:t>31/10/2022</a:t>
             </a:fld>
             <a:endParaRPr lang="es-ES"/>
@@ -2502,6 +2525,7 @@
           <a:p>
             <a:fld id="{B35FD293-0253-4F52-926A-14E086345CF1}" type="slidenum">
               <a:rPr lang="es-ES" smtClean="0"/>
+              <a:pPr/>
               <a:t>‹Nº›</a:t>
             </a:fld>
             <a:endParaRPr lang="es-ES"/>
@@ -2668,6 +2692,7 @@
           <a:p>
             <a:fld id="{D93D492F-888D-4D53-9EEC-D926D7A000EB}" type="datetimeFigureOut">
               <a:rPr lang="es-ES" smtClean="0"/>
+              <a:pPr/>
               <a:t>31/10/2022</a:t>
             </a:fld>
             <a:endParaRPr lang="es-ES"/>
@@ -2746,6 +2771,7 @@
           <a:p>
             <a:fld id="{B35FD293-0253-4F52-926A-14E086345CF1}" type="slidenum">
               <a:rPr lang="es-ES" smtClean="0"/>
+              <a:pPr/>
               <a:t>‹Nº›</a:t>
             </a:fld>
             <a:endParaRPr lang="es-ES"/>
@@ -3111,6 +3137,13 @@
   <p:clrMapOvr>
     <a:masterClrMapping/>
   </p:clrMapOvr>
+  <p:timing>
+    <p:tnLst>
+      <p:par>
+        <p:cTn id="1" dur="indefinite" restart="never" nodeType="tmRoot"/>
+      </p:par>
+    </p:tnLst>
+  </p:timing>
 </p:sld>
 </file>
 
@@ -3228,13 +3261,8 @@
           <a:p>
             <a:r>
               <a:rPr lang="es-ES" sz="2600" dirty="0" smtClean="0"/>
-              <a:t>Dimensión final: </a:t>
-            </a:r>
-            <a:r>
-              <a:rPr lang="es-ES" sz="2600" dirty="0" smtClean="0"/>
-              <a:t>(6302, 22)</a:t>
-            </a:r>
-            <a:endParaRPr lang="es-ES" sz="2600" dirty="0" smtClean="0"/>
+              <a:t>Dimensión final: (6302, 22)</a:t>
+            </a:r>
           </a:p>
           <a:p>
             <a:endParaRPr lang="es-ES" sz="2400" dirty="0" smtClean="0"/>
@@ -3300,7 +3328,7 @@
         </p:blipFill>
         <p:spPr bwMode="auto">
           <a:xfrm>
-            <a:off x="500034" y="3010998"/>
+            <a:off x="500034" y="2857496"/>
             <a:ext cx="2526944" cy="3847002"/>
           </a:xfrm>
           <a:prstGeom prst="rect">
@@ -3321,6 +3349,13 @@
   <p:clrMapOvr>
     <a:masterClrMapping/>
   </p:clrMapOvr>
+  <p:timing>
+    <p:tnLst>
+      <p:par>
+        <p:cTn id="1" dur="indefinite" restart="never" nodeType="tmRoot"/>
+      </p:par>
+    </p:tnLst>
+  </p:timing>
 </p:sld>
 </file>
 
@@ -3383,59 +3418,310 @@
         </p:nvSpPr>
         <p:spPr>
           <a:xfrm>
-            <a:off x="428596" y="1071546"/>
-            <a:ext cx="8229600" cy="2971808"/>
+            <a:off x="214282" y="785794"/>
+            <a:ext cx="8643998" cy="5715040"/>
           </a:xfrm>
         </p:spPr>
         <p:txBody>
-          <a:bodyPr/>
-          <a:lstStyle/>
-          <a:p>
-            <a:r>
-              <a:rPr lang="es-ES" dirty="0" err="1"/>
-              <a:t>a</a:t>
-            </a:r>
-            <a:r>
-              <a:rPr lang="es-ES" dirty="0" err="1" smtClean="0"/>
-              <a:t>ge</a:t>
-            </a:r>
-            <a:endParaRPr lang="es-ES" dirty="0" smtClean="0"/>
-          </a:p>
-          <a:p>
-            <a:r>
-              <a:rPr lang="es-ES" dirty="0" err="1" smtClean="0"/>
-              <a:t>Species</a:t>
-            </a:r>
-            <a:endParaRPr lang="es-ES" dirty="0" smtClean="0"/>
-          </a:p>
-          <a:p>
-            <a:r>
-              <a:rPr lang="es-ES" dirty="0" err="1"/>
+          <a:bodyPr>
+            <a:noAutofit/>
+          </a:bodyPr>
+          <a:lstStyle/>
+          <a:p>
+            <a:r>
+              <a:rPr lang="es-ES" sz="2000" dirty="0" err="1" smtClean="0"/>
+              <a:t>age</a:t>
+            </a:r>
+            <a:r>
+              <a:rPr lang="es-ES" sz="2000" dirty="0" smtClean="0"/>
+              <a:t>. </a:t>
+            </a:r>
+          </a:p>
+          <a:p>
+            <a:pPr lvl="1">
+              <a:buFontTx/>
+              <a:buChar char="-"/>
+            </a:pPr>
+            <a:r>
+              <a:rPr lang="es-ES" sz="2000" dirty="0" smtClean="0"/>
+              <a:t>n</a:t>
+            </a:r>
+            <a:r>
+              <a:rPr lang="es-ES" sz="2000" dirty="0" smtClean="0"/>
+              <a:t>ulos </a:t>
+            </a:r>
+            <a:r>
+              <a:rPr lang="es-ES" sz="2000" dirty="0" smtClean="0">
+                <a:sym typeface="Wingdings" pitchFamily="2" charset="2"/>
+              </a:rPr>
+              <a:t></a:t>
+            </a:r>
+            <a:r>
+              <a:rPr lang="es-ES" sz="2000" dirty="0" smtClean="0"/>
+              <a:t> -99			- 23 &amp; 28 </a:t>
+            </a:r>
+            <a:r>
+              <a:rPr lang="es-ES" sz="2000" dirty="0" smtClean="0">
+                <a:sym typeface="Wingdings" pitchFamily="2" charset="2"/>
+              </a:rPr>
+              <a:t> asignar valor</a:t>
+            </a:r>
+            <a:r>
+              <a:rPr lang="es-ES" sz="2000" dirty="0" smtClean="0"/>
+              <a:t> </a:t>
+            </a:r>
+          </a:p>
+          <a:p>
+            <a:pPr lvl="1">
+              <a:spcAft>
+                <a:spcPts val="1000"/>
+              </a:spcAft>
+              <a:buFontTx/>
+              <a:buChar char="-"/>
+            </a:pPr>
+            <a:r>
+              <a:rPr lang="es-ES" sz="2000" dirty="0" err="1" smtClean="0"/>
+              <a:t>strings</a:t>
+            </a:r>
+            <a:r>
+              <a:rPr lang="es-ES" sz="2000" dirty="0" smtClean="0"/>
+              <a:t> </a:t>
+            </a:r>
+            <a:r>
+              <a:rPr lang="es-ES" sz="2000" dirty="0" smtClean="0">
+                <a:sym typeface="Wingdings" pitchFamily="2" charset="2"/>
+              </a:rPr>
+              <a:t>asignar valores		- </a:t>
+            </a:r>
+            <a:r>
+              <a:rPr lang="es-ES" sz="2000" dirty="0" err="1" smtClean="0">
+                <a:sym typeface="Wingdings" pitchFamily="2" charset="2"/>
+              </a:rPr>
+              <a:t>type</a:t>
+            </a:r>
+            <a:r>
+              <a:rPr lang="es-ES" sz="2000" dirty="0" smtClean="0">
+                <a:sym typeface="Wingdings" pitchFamily="2" charset="2"/>
+              </a:rPr>
+              <a:t>  </a:t>
+            </a:r>
+            <a:r>
+              <a:rPr lang="es-ES" sz="2000" dirty="0" err="1" smtClean="0">
+                <a:sym typeface="Wingdings" pitchFamily="2" charset="2"/>
+              </a:rPr>
+              <a:t>int</a:t>
+            </a:r>
+            <a:endParaRPr lang="es-ES" sz="2000" dirty="0" smtClean="0"/>
+          </a:p>
+          <a:p>
+            <a:r>
+              <a:rPr lang="es-ES" sz="2000" dirty="0" err="1" smtClean="0"/>
+              <a:t>S</a:t>
+            </a:r>
+            <a:r>
+              <a:rPr lang="es-ES" sz="2000" dirty="0" err="1" smtClean="0"/>
+              <a:t>pecies</a:t>
+            </a:r>
+            <a:endParaRPr lang="es-ES" sz="2000" dirty="0" smtClean="0"/>
+          </a:p>
+          <a:p>
+            <a:pPr lvl="1">
+              <a:buFontTx/>
+              <a:buChar char="-"/>
+            </a:pPr>
+            <a:r>
+              <a:rPr lang="es-ES" sz="2000" dirty="0" smtClean="0"/>
+              <a:t>nulos , </a:t>
+            </a:r>
+            <a:r>
+              <a:rPr lang="es-ES" sz="2000" dirty="0" err="1" smtClean="0"/>
+              <a:t>invalid</a:t>
+            </a:r>
+            <a:r>
+              <a:rPr lang="es-ES" sz="2000" dirty="0" smtClean="0"/>
+              <a:t>,  ataque no confirmado </a:t>
+            </a:r>
+            <a:r>
+              <a:rPr lang="es-ES" sz="2000" dirty="0" smtClean="0">
+                <a:sym typeface="Wingdings" pitchFamily="2" charset="2"/>
+              </a:rPr>
+              <a:t> ‘</a:t>
+            </a:r>
+            <a:r>
+              <a:rPr lang="es-ES" sz="2000" dirty="0" err="1" smtClean="0">
+                <a:sym typeface="Wingdings" pitchFamily="2" charset="2"/>
+              </a:rPr>
+              <a:t>unknown</a:t>
+            </a:r>
+            <a:r>
+              <a:rPr lang="es-ES" sz="2000" dirty="0" smtClean="0">
+                <a:sym typeface="Wingdings" pitchFamily="2" charset="2"/>
+              </a:rPr>
+              <a:t>’</a:t>
+            </a:r>
+          </a:p>
+          <a:p>
+            <a:pPr lvl="1">
+              <a:spcAft>
+                <a:spcPts val="1000"/>
+              </a:spcAft>
+              <a:buFontTx/>
+              <a:buChar char="-"/>
+            </a:pPr>
+            <a:r>
+              <a:rPr lang="es-ES" sz="2000" dirty="0" smtClean="0">
+                <a:sym typeface="Wingdings" pitchFamily="2" charset="2"/>
+              </a:rPr>
+              <a:t>extraer la especie de cada registro y agruparlas</a:t>
+            </a:r>
+            <a:endParaRPr lang="es-ES" sz="2000" dirty="0" smtClean="0"/>
+          </a:p>
+          <a:p>
+            <a:r>
+              <a:rPr lang="es-ES" sz="2000" dirty="0" err="1" smtClean="0"/>
               <a:t>t</a:t>
             </a:r>
             <a:r>
-              <a:rPr lang="es-ES" dirty="0" err="1" smtClean="0"/>
+              <a:rPr lang="es-ES" sz="2000" dirty="0" err="1" smtClean="0"/>
               <a:t>ype</a:t>
             </a:r>
-            <a:endParaRPr lang="es-ES" dirty="0" smtClean="0"/>
-          </a:p>
-          <a:p>
-            <a:r>
-              <a:rPr lang="es-ES" dirty="0" err="1"/>
+            <a:endParaRPr lang="es-ES" sz="2000" dirty="0" smtClean="0"/>
+          </a:p>
+          <a:p>
+            <a:pPr lvl="1">
+              <a:buFontTx/>
+              <a:buChar char="-"/>
+            </a:pPr>
+            <a:r>
+              <a:rPr lang="es-ES" sz="2000" dirty="0" smtClean="0"/>
+              <a:t>nulos (no había muchos) </a:t>
+            </a:r>
+            <a:r>
+              <a:rPr lang="es-ES" sz="2000" dirty="0" smtClean="0">
+                <a:sym typeface="Wingdings" pitchFamily="2" charset="2"/>
+              </a:rPr>
+              <a:t> </a:t>
+            </a:r>
+            <a:r>
+              <a:rPr lang="es-ES" sz="2000" dirty="0" err="1" smtClean="0">
+                <a:sym typeface="Wingdings" pitchFamily="2" charset="2"/>
+              </a:rPr>
+              <a:t>unprovoked</a:t>
+            </a:r>
+            <a:r>
+              <a:rPr lang="es-ES" sz="2000" dirty="0" smtClean="0">
+                <a:sym typeface="Wingdings" pitchFamily="2" charset="2"/>
+              </a:rPr>
+              <a:t> (la gran mayoría)</a:t>
+            </a:r>
+          </a:p>
+          <a:p>
+            <a:pPr lvl="1">
+              <a:spcAft>
+                <a:spcPts val="1000"/>
+              </a:spcAft>
+              <a:buFontTx/>
+              <a:buChar char="-"/>
+            </a:pPr>
+            <a:r>
+              <a:rPr lang="es-ES" sz="2000" dirty="0" smtClean="0">
+                <a:sym typeface="Wingdings" pitchFamily="2" charset="2"/>
+              </a:rPr>
+              <a:t>Agrupar valores parecidos  </a:t>
+            </a:r>
+            <a:r>
+              <a:rPr lang="es-ES" sz="2000" dirty="0" err="1" smtClean="0">
+                <a:sym typeface="Wingdings" pitchFamily="2" charset="2"/>
+              </a:rPr>
+              <a:t>boat</a:t>
+            </a:r>
+            <a:r>
+              <a:rPr lang="es-ES" sz="2000" dirty="0" smtClean="0">
+                <a:sym typeface="Wingdings" pitchFamily="2" charset="2"/>
+              </a:rPr>
+              <a:t> == </a:t>
+            </a:r>
+            <a:r>
+              <a:rPr lang="es-ES" sz="2000" dirty="0" err="1" smtClean="0">
+                <a:sym typeface="Wingdings" pitchFamily="2" charset="2"/>
+              </a:rPr>
+              <a:t>boating</a:t>
+            </a:r>
+            <a:endParaRPr lang="es-ES" sz="2000" dirty="0" smtClean="0"/>
+          </a:p>
+          <a:p>
+            <a:r>
+              <a:rPr lang="es-ES" sz="2000" dirty="0" err="1" smtClean="0"/>
               <a:t>y</a:t>
             </a:r>
             <a:r>
-              <a:rPr lang="es-ES" dirty="0" err="1" smtClean="0"/>
+              <a:rPr lang="es-ES" sz="2000" dirty="0" err="1" smtClean="0"/>
               <a:t>ear</a:t>
             </a:r>
-            <a:endParaRPr lang="es-ES" dirty="0" smtClean="0"/>
-          </a:p>
-          <a:p>
-            <a:r>
-              <a:rPr lang="es-ES" dirty="0" smtClean="0"/>
-              <a:t>fatal</a:t>
-            </a:r>
-            <a:endParaRPr lang="es-ES" dirty="0"/>
+            <a:endParaRPr lang="es-ES" sz="2000" dirty="0" smtClean="0"/>
+          </a:p>
+          <a:p>
+            <a:pPr lvl="1">
+              <a:buFontTx/>
+              <a:buChar char="-"/>
+            </a:pPr>
+            <a:r>
+              <a:rPr lang="es-ES" sz="2000" dirty="0" smtClean="0"/>
+              <a:t>Eliminar valores muy antiguos (ej. Ca. 214 B.C.)</a:t>
+            </a:r>
+          </a:p>
+          <a:p>
+            <a:pPr lvl="1">
+              <a:spcAft>
+                <a:spcPts val="1000"/>
+              </a:spcAft>
+              <a:buFontTx/>
+              <a:buChar char="-"/>
+            </a:pPr>
+            <a:r>
+              <a:rPr lang="es-ES" sz="2000" dirty="0" smtClean="0"/>
+              <a:t>Extraer valor aproximado de la columna date</a:t>
+            </a:r>
+          </a:p>
+          <a:p>
+            <a:r>
+              <a:rPr lang="es-ES" sz="2000" dirty="0" smtClean="0"/>
+              <a:t>Fatal</a:t>
+            </a:r>
+          </a:p>
+          <a:p>
+            <a:pPr lvl="1">
+              <a:buFontTx/>
+              <a:buChar char="-"/>
+            </a:pPr>
+            <a:r>
+              <a:rPr lang="es-ES" sz="2000" dirty="0" smtClean="0"/>
+              <a:t>Extraer valores de la columna </a:t>
+            </a:r>
+            <a:r>
+              <a:rPr lang="es-ES" sz="2000" dirty="0" err="1" smtClean="0"/>
+              <a:t>injury</a:t>
+            </a:r>
+            <a:endParaRPr lang="es-ES" sz="2000" dirty="0" smtClean="0"/>
+          </a:p>
+          <a:p>
+            <a:pPr lvl="1">
+              <a:buFontTx/>
+              <a:buChar char="-"/>
+            </a:pPr>
+            <a:r>
+              <a:rPr lang="es-ES" sz="2000" dirty="0" smtClean="0"/>
+              <a:t>El resto de nulos a ‘</a:t>
+            </a:r>
+            <a:r>
+              <a:rPr lang="es-ES" sz="2000" dirty="0" err="1" smtClean="0"/>
+              <a:t>unknown</a:t>
+            </a:r>
+            <a:r>
+              <a:rPr lang="es-ES" sz="2000" dirty="0" smtClean="0"/>
+              <a:t>’</a:t>
+            </a:r>
+            <a:endParaRPr lang="es-ES" sz="2000" dirty="0"/>
           </a:p>
         </p:txBody>
       </p:sp>
@@ -3444,6 +3730,13 @@
   <p:clrMapOvr>
     <a:masterClrMapping/>
   </p:clrMapOvr>
+  <p:timing>
+    <p:tnLst>
+      <p:par>
+        <p:cTn id="1" dur="indefinite" restart="never" nodeType="tmRoot"/>
+      </p:par>
+    </p:tnLst>
+  </p:timing>
 </p:sld>
 </file>
 
@@ -3476,17 +3769,23 @@
         </p:nvSpPr>
         <p:spPr>
           <a:xfrm>
-            <a:off x="457200" y="274638"/>
+            <a:off x="285720" y="0"/>
             <a:ext cx="8229600" cy="868346"/>
           </a:xfrm>
         </p:spPr>
         <p:txBody>
-          <a:bodyPr/>
+          <a:bodyPr>
+            <a:normAutofit/>
+          </a:bodyPr>
           <a:lstStyle/>
           <a:p>
             <a:r>
               <a:rPr lang="es-ES" sz="3800" dirty="0" smtClean="0"/>
-              <a:t>ANALYSIS</a:t>
+              <a:t>ANALYSIS: </a:t>
+            </a:r>
+            <a:r>
+              <a:rPr lang="es-ES" sz="3800" dirty="0" err="1" smtClean="0"/>
+              <a:t>age</a:t>
             </a:r>
             <a:endParaRPr lang="es-ES" sz="3800" dirty="0"/>
           </a:p>
@@ -3502,12 +3801,157 @@
             <p:ph idx="1"/>
           </p:nvPr>
         </p:nvSpPr>
-        <p:spPr/>
-        <p:txBody>
-          <a:bodyPr/>
-          <a:lstStyle/>
-          <a:p>
-            <a:endParaRPr lang="es-ES" dirty="0"/>
+        <p:spPr>
+          <a:xfrm>
+            <a:off x="214282" y="1142984"/>
+            <a:ext cx="3500462" cy="1185858"/>
+          </a:xfrm>
+        </p:spPr>
+        <p:txBody>
+          <a:bodyPr>
+            <a:noAutofit/>
+          </a:bodyPr>
+          <a:lstStyle/>
+          <a:p>
+            <a:r>
+              <a:rPr lang="es-ES" sz="2400" dirty="0" smtClean="0"/>
+              <a:t>Edad mínima: 1 año</a:t>
+            </a:r>
+          </a:p>
+          <a:p>
+            <a:r>
+              <a:rPr lang="es-ES" sz="2400" dirty="0" smtClean="0"/>
+              <a:t>Edad máxima: 87 años</a:t>
+            </a:r>
+          </a:p>
+        </p:txBody>
+      </p:sp>
+      <p:pic>
+        <p:nvPicPr>
+          <p:cNvPr id="1026" name="Picture 2"/>
+          <p:cNvPicPr>
+            <a:picLocks noChangeAspect="1" noChangeArrowheads="1"/>
+          </p:cNvPicPr>
+          <p:nvPr/>
+        </p:nvPicPr>
+        <p:blipFill>
+          <a:blip r:embed="rId2"/>
+          <a:srcRect/>
+          <a:stretch>
+            <a:fillRect/>
+          </a:stretch>
+        </p:blipFill>
+        <p:spPr bwMode="auto">
+          <a:xfrm>
+            <a:off x="642910" y="2143116"/>
+            <a:ext cx="7486672" cy="4443500"/>
+          </a:xfrm>
+          <a:prstGeom prst="rect">
+            <a:avLst/>
+          </a:prstGeom>
+          <a:noFill/>
+          <a:ln w="9525">
+            <a:noFill/>
+            <a:miter lim="800000"/>
+            <a:headEnd/>
+            <a:tailEnd/>
+          </a:ln>
+          <a:effectLst/>
+        </p:spPr>
+      </p:pic>
+      <p:sp>
+        <p:nvSpPr>
+          <p:cNvPr id="5" name="2 Marcador de contenido"/>
+          <p:cNvSpPr txBox="1">
+            <a:spLocks/>
+          </p:cNvSpPr>
+          <p:nvPr/>
+        </p:nvSpPr>
+        <p:spPr>
+          <a:xfrm>
+            <a:off x="4857752" y="1000108"/>
+            <a:ext cx="4143404" cy="1185858"/>
+          </a:xfrm>
+          <a:prstGeom prst="rect">
+            <a:avLst/>
+          </a:prstGeom>
+        </p:spPr>
+        <p:txBody>
+          <a:bodyPr vert="horz" lIns="91440" tIns="45720" rIns="91440" bIns="45720" rtlCol="0">
+            <a:noAutofit/>
+          </a:bodyPr>
+          <a:lstStyle/>
+          <a:p>
+            <a:pPr marL="342900" marR="0" lvl="0" indent="-342900" algn="l" defTabSz="914400" rtl="0" eaLnBrk="1" fontAlgn="auto" latinLnBrk="0" hangingPunct="1">
+              <a:lnSpc>
+                <a:spcPct val="100000"/>
+              </a:lnSpc>
+              <a:spcBef>
+                <a:spcPct val="20000"/>
+              </a:spcBef>
+              <a:spcAft>
+                <a:spcPts val="0"/>
+              </a:spcAft>
+              <a:buClrTx/>
+              <a:buSzTx/>
+              <a:buFont typeface="Arial" pitchFamily="34" charset="0"/>
+              <a:buChar char="•"/>
+              <a:tabLst/>
+              <a:defRPr/>
+            </a:pPr>
+            <a:r>
+              <a:rPr kumimoji="0" lang="es-ES" sz="2400" b="0" i="0" u="none" strike="noStrike" kern="1200" cap="none" spc="0" normalizeH="0" baseline="0" noProof="0" dirty="0" smtClean="0">
+                <a:ln>
+                  <a:noFill/>
+                </a:ln>
+                <a:solidFill>
+                  <a:schemeClr val="tx1"/>
+                </a:solidFill>
+                <a:effectLst/>
+                <a:uLnTx/>
+                <a:uFillTx/>
+                <a:latin typeface="+mn-lt"/>
+                <a:ea typeface="+mn-ea"/>
+                <a:cs typeface="+mn-cs"/>
+              </a:rPr>
+              <a:t>Edad media: 27 año</a:t>
+            </a:r>
+          </a:p>
+          <a:p>
+            <a:pPr marL="342900" marR="0" lvl="0" indent="-342900" algn="l" defTabSz="914400" rtl="0" eaLnBrk="1" fontAlgn="auto" latinLnBrk="0" hangingPunct="1">
+              <a:lnSpc>
+                <a:spcPct val="100000"/>
+              </a:lnSpc>
+              <a:spcBef>
+                <a:spcPct val="20000"/>
+              </a:spcBef>
+              <a:spcAft>
+                <a:spcPts val="0"/>
+              </a:spcAft>
+              <a:buClrTx/>
+              <a:buSzTx/>
+              <a:buFont typeface="Arial" pitchFamily="34" charset="0"/>
+              <a:buChar char="•"/>
+              <a:tabLst/>
+              <a:defRPr/>
+            </a:pPr>
+            <a:r>
+              <a:rPr kumimoji="0" lang="es-ES" sz="2400" b="0" i="0" u="none" strike="noStrike" kern="1200" cap="none" spc="0" normalizeH="0" baseline="0" noProof="0" dirty="0" smtClean="0">
+                <a:ln>
+                  <a:noFill/>
+                </a:ln>
+                <a:solidFill>
+                  <a:schemeClr val="tx1"/>
+                </a:solidFill>
+                <a:effectLst/>
+                <a:uLnTx/>
+                <a:uFillTx/>
+                <a:latin typeface="+mn-lt"/>
+                <a:ea typeface="+mn-ea"/>
+                <a:cs typeface="+mn-cs"/>
+              </a:rPr>
+              <a:t>IQR: 17 - 35 años</a:t>
+            </a:r>
           </a:p>
         </p:txBody>
       </p:sp>
@@ -3516,6 +3960,650 @@
   <p:clrMapOvr>
     <a:masterClrMapping/>
   </p:clrMapOvr>
+  <p:timing>
+    <p:tnLst>
+      <p:par>
+        <p:cTn id="1" dur="indefinite" restart="never" nodeType="tmRoot"/>
+      </p:par>
+    </p:tnLst>
+  </p:timing>
+</p:sld>
+</file>
+
+<file path=ppt/slides/slide5.xml><?xml version="1.0" encoding="utf-8"?>
+<p:sld xmlns:a="http://schemas.openxmlformats.org/drawingml/2006/main" xmlns:r="http://schemas.openxmlformats.org/officeDocument/2006/relationships" xmlns:p="http://schemas.openxmlformats.org/presentationml/2006/main">
+  <p:cSld>
+    <p:spTree>
+      <p:nvGrpSpPr>
+        <p:cNvPr id="1" name=""/>
+        <p:cNvGrpSpPr/>
+        <p:nvPr/>
+      </p:nvGrpSpPr>
+      <p:grpSpPr>
+        <a:xfrm>
+          <a:off x="0" y="0"/>
+          <a:ext cx="0" cy="0"/>
+          <a:chOff x="0" y="0"/>
+          <a:chExt cx="0" cy="0"/>
+        </a:xfrm>
+      </p:grpSpPr>
+      <p:sp>
+        <p:nvSpPr>
+          <p:cNvPr id="2" name="1 Título"/>
+          <p:cNvSpPr>
+            <a:spLocks noGrp="1"/>
+          </p:cNvSpPr>
+          <p:nvPr>
+            <p:ph type="title"/>
+          </p:nvPr>
+        </p:nvSpPr>
+        <p:spPr>
+          <a:xfrm>
+            <a:off x="285720" y="142852"/>
+            <a:ext cx="8229600" cy="1214422"/>
+          </a:xfrm>
+        </p:spPr>
+        <p:txBody>
+          <a:bodyPr>
+            <a:normAutofit fontScale="90000"/>
+          </a:bodyPr>
+          <a:lstStyle/>
+          <a:p>
+            <a:r>
+              <a:rPr lang="es-ES" sz="3800" dirty="0" smtClean="0"/>
+              <a:t>ANALYSIS: </a:t>
+            </a:r>
+            <a:r>
+              <a:rPr lang="es-ES" sz="3800" dirty="0" err="1" smtClean="0"/>
+              <a:t>year</a:t>
+            </a:r>
+            <a:r>
+              <a:rPr lang="es-ES" sz="3800" dirty="0" smtClean="0"/>
+              <a:t/>
+            </a:r>
+            <a:br>
+              <a:rPr lang="es-ES" sz="3800" dirty="0" smtClean="0"/>
+            </a:br>
+            <a:r>
+              <a:rPr lang="es-ES" sz="900" dirty="0" smtClean="0"/>
+              <a:t/>
+            </a:r>
+            <a:br>
+              <a:rPr lang="es-ES" sz="900" dirty="0" smtClean="0"/>
+            </a:br>
+            <a:r>
+              <a:rPr lang="es-ES" sz="2700" dirty="0" smtClean="0"/>
+              <a:t>(desde 1900)</a:t>
+            </a:r>
+            <a:r>
+              <a:rPr lang="es-ES" sz="3800" dirty="0" smtClean="0"/>
+              <a:t/>
+            </a:r>
+            <a:br>
+              <a:rPr lang="es-ES" sz="3800" dirty="0" smtClean="0"/>
+            </a:br>
+            <a:endParaRPr lang="es-ES" sz="3800" dirty="0"/>
+          </a:p>
+        </p:txBody>
+      </p:sp>
+      <p:sp>
+        <p:nvSpPr>
+          <p:cNvPr id="3" name="2 Marcador de contenido"/>
+          <p:cNvSpPr>
+            <a:spLocks noGrp="1"/>
+          </p:cNvSpPr>
+          <p:nvPr>
+            <p:ph idx="1"/>
+          </p:nvPr>
+        </p:nvSpPr>
+        <p:spPr>
+          <a:xfrm>
+            <a:off x="214282" y="1142984"/>
+            <a:ext cx="5286412" cy="1071570"/>
+          </a:xfrm>
+        </p:spPr>
+        <p:txBody>
+          <a:bodyPr>
+            <a:noAutofit/>
+          </a:bodyPr>
+          <a:lstStyle/>
+          <a:p>
+            <a:r>
+              <a:rPr lang="es-ES" sz="2400" dirty="0" smtClean="0"/>
+              <a:t>Tendencia positiva</a:t>
+            </a:r>
+          </a:p>
+          <a:p>
+            <a:pPr lvl="0"/>
+            <a:r>
+              <a:rPr lang="es-ES" sz="2400" dirty="0" smtClean="0"/>
+              <a:t>Año con más registros: 2015</a:t>
+            </a:r>
+          </a:p>
+          <a:p>
+            <a:endParaRPr lang="es-ES" sz="2400" dirty="0" smtClean="0"/>
+          </a:p>
+        </p:txBody>
+      </p:sp>
+      <p:sp>
+        <p:nvSpPr>
+          <p:cNvPr id="5" name="2 Marcador de contenido"/>
+          <p:cNvSpPr txBox="1">
+            <a:spLocks/>
+          </p:cNvSpPr>
+          <p:nvPr/>
+        </p:nvSpPr>
+        <p:spPr>
+          <a:xfrm>
+            <a:off x="4500562" y="1142984"/>
+            <a:ext cx="4143404" cy="571504"/>
+          </a:xfrm>
+          <a:prstGeom prst="rect">
+            <a:avLst/>
+          </a:prstGeom>
+        </p:spPr>
+        <p:txBody>
+          <a:bodyPr vert="horz" lIns="91440" tIns="45720" rIns="91440" bIns="45720" rtlCol="0">
+            <a:noAutofit/>
+          </a:bodyPr>
+          <a:lstStyle/>
+          <a:p>
+            <a:pPr marL="342900" marR="0" lvl="0" indent="-342900" algn="l" defTabSz="914400" rtl="0" eaLnBrk="1" fontAlgn="auto" latinLnBrk="0" hangingPunct="1">
+              <a:lnSpc>
+                <a:spcPct val="100000"/>
+              </a:lnSpc>
+              <a:spcBef>
+                <a:spcPct val="20000"/>
+              </a:spcBef>
+              <a:spcAft>
+                <a:spcPts val="0"/>
+              </a:spcAft>
+              <a:buClrTx/>
+              <a:buSzTx/>
+              <a:buFont typeface="Arial" pitchFamily="34" charset="0"/>
+              <a:buChar char="•"/>
+              <a:tabLst/>
+              <a:defRPr/>
+            </a:pPr>
+            <a:endParaRPr kumimoji="0" lang="es-ES" sz="2400" b="0" i="0" u="none" strike="noStrike" kern="1200" cap="none" spc="0" normalizeH="0" baseline="0" noProof="0" dirty="0" smtClean="0">
+              <a:ln>
+                <a:noFill/>
+              </a:ln>
+              <a:solidFill>
+                <a:schemeClr val="tx1"/>
+              </a:solidFill>
+              <a:effectLst/>
+              <a:uLnTx/>
+              <a:uFillTx/>
+              <a:latin typeface="+mn-lt"/>
+              <a:ea typeface="+mn-ea"/>
+              <a:cs typeface="+mn-cs"/>
+            </a:endParaRPr>
+          </a:p>
+        </p:txBody>
+      </p:sp>
+      <p:pic>
+        <p:nvPicPr>
+          <p:cNvPr id="2050" name="Picture 2"/>
+          <p:cNvPicPr>
+            <a:picLocks noChangeAspect="1" noChangeArrowheads="1"/>
+          </p:cNvPicPr>
+          <p:nvPr/>
+        </p:nvPicPr>
+        <p:blipFill>
+          <a:blip r:embed="rId2"/>
+          <a:srcRect/>
+          <a:stretch>
+            <a:fillRect/>
+          </a:stretch>
+        </p:blipFill>
+        <p:spPr bwMode="auto">
+          <a:xfrm>
+            <a:off x="1000100" y="2126824"/>
+            <a:ext cx="7886406" cy="4551992"/>
+          </a:xfrm>
+          <a:prstGeom prst="rect">
+            <a:avLst/>
+          </a:prstGeom>
+          <a:noFill/>
+          <a:ln w="9525">
+            <a:noFill/>
+            <a:miter lim="800000"/>
+            <a:headEnd/>
+            <a:tailEnd/>
+          </a:ln>
+          <a:effectLst/>
+        </p:spPr>
+      </p:pic>
+    </p:spTree>
+  </p:cSld>
+  <p:clrMapOvr>
+    <a:masterClrMapping/>
+  </p:clrMapOvr>
+  <p:timing>
+    <p:tnLst>
+      <p:par>
+        <p:cTn id="1" dur="indefinite" restart="never" nodeType="tmRoot"/>
+      </p:par>
+    </p:tnLst>
+  </p:timing>
+</p:sld>
+</file>
+
+<file path=ppt/slides/slide6.xml><?xml version="1.0" encoding="utf-8"?>
+<p:sld xmlns:a="http://schemas.openxmlformats.org/drawingml/2006/main" xmlns:r="http://schemas.openxmlformats.org/officeDocument/2006/relationships" xmlns:p="http://schemas.openxmlformats.org/presentationml/2006/main">
+  <p:cSld>
+    <p:spTree>
+      <p:nvGrpSpPr>
+        <p:cNvPr id="1" name=""/>
+        <p:cNvGrpSpPr/>
+        <p:nvPr/>
+      </p:nvGrpSpPr>
+      <p:grpSpPr>
+        <a:xfrm>
+          <a:off x="0" y="0"/>
+          <a:ext cx="0" cy="0"/>
+          <a:chOff x="0" y="0"/>
+          <a:chExt cx="0" cy="0"/>
+        </a:xfrm>
+      </p:grpSpPr>
+      <p:sp>
+        <p:nvSpPr>
+          <p:cNvPr id="2" name="1 Título"/>
+          <p:cNvSpPr>
+            <a:spLocks noGrp="1"/>
+          </p:cNvSpPr>
+          <p:nvPr>
+            <p:ph type="title"/>
+          </p:nvPr>
+        </p:nvSpPr>
+        <p:spPr>
+          <a:xfrm>
+            <a:off x="285720" y="0"/>
+            <a:ext cx="8229600" cy="868346"/>
+          </a:xfrm>
+        </p:spPr>
+        <p:txBody>
+          <a:bodyPr>
+            <a:normAutofit/>
+          </a:bodyPr>
+          <a:lstStyle/>
+          <a:p>
+            <a:r>
+              <a:rPr lang="es-ES" sz="3800" dirty="0" smtClean="0"/>
+              <a:t>ANALYSIS: </a:t>
+            </a:r>
+            <a:r>
+              <a:rPr lang="es-ES" sz="3800" dirty="0" err="1" smtClean="0"/>
+              <a:t>species</a:t>
+            </a:r>
+            <a:endParaRPr lang="es-ES" sz="3800" dirty="0"/>
+          </a:p>
+        </p:txBody>
+      </p:sp>
+      <p:sp>
+        <p:nvSpPr>
+          <p:cNvPr id="3" name="2 Marcador de contenido"/>
+          <p:cNvSpPr>
+            <a:spLocks noGrp="1"/>
+          </p:cNvSpPr>
+          <p:nvPr>
+            <p:ph idx="1"/>
+          </p:nvPr>
+        </p:nvSpPr>
+        <p:spPr>
+          <a:xfrm>
+            <a:off x="214282" y="928670"/>
+            <a:ext cx="2928958" cy="1185858"/>
+          </a:xfrm>
+        </p:spPr>
+        <p:txBody>
+          <a:bodyPr>
+            <a:noAutofit/>
+          </a:bodyPr>
+          <a:lstStyle/>
+          <a:p>
+            <a:r>
+              <a:rPr lang="es-ES" sz="2400" dirty="0" smtClean="0"/>
+              <a:t>Especies con más casos de ataques (&gt;40 casos)</a:t>
+            </a:r>
+          </a:p>
+        </p:txBody>
+      </p:sp>
+      <p:sp>
+        <p:nvSpPr>
+          <p:cNvPr id="5" name="2 Marcador de contenido"/>
+          <p:cNvSpPr txBox="1">
+            <a:spLocks/>
+          </p:cNvSpPr>
+          <p:nvPr/>
+        </p:nvSpPr>
+        <p:spPr>
+          <a:xfrm>
+            <a:off x="3214678" y="1000108"/>
+            <a:ext cx="5286412" cy="1000132"/>
+          </a:xfrm>
+          <a:prstGeom prst="rect">
+            <a:avLst/>
+          </a:prstGeom>
+        </p:spPr>
+        <p:txBody>
+          <a:bodyPr vert="horz" lIns="91440" tIns="45720" rIns="91440" bIns="45720" rtlCol="0">
+            <a:noAutofit/>
+          </a:bodyPr>
+          <a:lstStyle/>
+          <a:p>
+            <a:pPr marL="342900" marR="0" lvl="0" indent="-342900" algn="l" defTabSz="914400" rtl="0" eaLnBrk="1" fontAlgn="auto" latinLnBrk="0" hangingPunct="1">
+              <a:lnSpc>
+                <a:spcPct val="100000"/>
+              </a:lnSpc>
+              <a:spcBef>
+                <a:spcPct val="20000"/>
+              </a:spcBef>
+              <a:spcAft>
+                <a:spcPts val="0"/>
+              </a:spcAft>
+              <a:buClrTx/>
+              <a:buSzTx/>
+              <a:buFont typeface="Arial" pitchFamily="34" charset="0"/>
+              <a:buChar char="•"/>
+              <a:tabLst/>
+              <a:defRPr/>
+            </a:pPr>
+            <a:r>
+              <a:rPr kumimoji="0" lang="es-ES" sz="2400" b="0" i="0" u="none" strike="noStrike" kern="1200" cap="none" spc="0" normalizeH="0" baseline="0" noProof="0" dirty="0" smtClean="0">
+                <a:ln>
+                  <a:noFill/>
+                </a:ln>
+                <a:solidFill>
+                  <a:schemeClr val="tx1"/>
+                </a:solidFill>
+                <a:effectLst/>
+                <a:uLnTx/>
+                <a:uFillTx/>
+                <a:latin typeface="+mn-lt"/>
+                <a:ea typeface="+mn-ea"/>
+                <a:cs typeface="+mn-cs"/>
+              </a:rPr>
+              <a:t>Porcentaje de mortalidad de</a:t>
+            </a:r>
+            <a:r>
+              <a:rPr kumimoji="0" lang="es-ES" sz="2400" b="0" i="0" u="none" strike="noStrike" kern="1200" cap="none" spc="0" normalizeH="0" noProof="0" dirty="0" smtClean="0">
+                <a:ln>
+                  <a:noFill/>
+                </a:ln>
+                <a:solidFill>
+                  <a:schemeClr val="tx1"/>
+                </a:solidFill>
+                <a:effectLst/>
+                <a:uLnTx/>
+                <a:uFillTx/>
+                <a:latin typeface="+mn-lt"/>
+                <a:ea typeface="+mn-ea"/>
+                <a:cs typeface="+mn-cs"/>
+              </a:rPr>
+              <a:t> los ataque por especie</a:t>
+            </a:r>
+            <a:endParaRPr kumimoji="0" lang="es-ES" sz="2400" b="0" i="0" u="none" strike="noStrike" kern="1200" cap="none" spc="0" normalizeH="0" baseline="0" noProof="0" dirty="0" smtClean="0">
+              <a:ln>
+                <a:noFill/>
+              </a:ln>
+              <a:solidFill>
+                <a:schemeClr val="tx1"/>
+              </a:solidFill>
+              <a:effectLst/>
+              <a:uLnTx/>
+              <a:uFillTx/>
+              <a:latin typeface="+mn-lt"/>
+              <a:ea typeface="+mn-ea"/>
+              <a:cs typeface="+mn-cs"/>
+            </a:endParaRPr>
+          </a:p>
+        </p:txBody>
+      </p:sp>
+      <p:pic>
+        <p:nvPicPr>
+          <p:cNvPr id="3074" name="Picture 2"/>
+          <p:cNvPicPr>
+            <a:picLocks noChangeAspect="1" noChangeArrowheads="1"/>
+          </p:cNvPicPr>
+          <p:nvPr/>
+        </p:nvPicPr>
+        <p:blipFill>
+          <a:blip r:embed="rId2"/>
+          <a:srcRect/>
+          <a:stretch>
+            <a:fillRect/>
+          </a:stretch>
+        </p:blipFill>
+        <p:spPr bwMode="auto">
+          <a:xfrm>
+            <a:off x="214282" y="2428868"/>
+            <a:ext cx="2726961" cy="2571768"/>
+          </a:xfrm>
+          <a:prstGeom prst="rect">
+            <a:avLst/>
+          </a:prstGeom>
+          <a:noFill/>
+          <a:ln w="9525">
+            <a:noFill/>
+            <a:miter lim="800000"/>
+            <a:headEnd/>
+            <a:tailEnd/>
+          </a:ln>
+          <a:effectLst/>
+        </p:spPr>
+      </p:pic>
+      <p:pic>
+        <p:nvPicPr>
+          <p:cNvPr id="3075" name="Picture 3"/>
+          <p:cNvPicPr>
+            <a:picLocks noChangeAspect="1" noChangeArrowheads="1"/>
+          </p:cNvPicPr>
+          <p:nvPr/>
+        </p:nvPicPr>
+        <p:blipFill>
+          <a:blip r:embed="rId3"/>
+          <a:srcRect/>
+          <a:stretch>
+            <a:fillRect/>
+          </a:stretch>
+        </p:blipFill>
+        <p:spPr bwMode="auto">
+          <a:xfrm>
+            <a:off x="3071802" y="2071678"/>
+            <a:ext cx="3143272" cy="3829415"/>
+          </a:xfrm>
+          <a:prstGeom prst="rect">
+            <a:avLst/>
+          </a:prstGeom>
+          <a:noFill/>
+          <a:ln w="9525">
+            <a:noFill/>
+            <a:miter lim="800000"/>
+            <a:headEnd/>
+            <a:tailEnd/>
+          </a:ln>
+          <a:effectLst/>
+        </p:spPr>
+      </p:pic>
+      <p:pic>
+        <p:nvPicPr>
+          <p:cNvPr id="3076" name="Picture 4"/>
+          <p:cNvPicPr>
+            <a:picLocks noChangeAspect="1" noChangeArrowheads="1"/>
+          </p:cNvPicPr>
+          <p:nvPr/>
+        </p:nvPicPr>
+        <p:blipFill>
+          <a:blip r:embed="rId4" cstate="print"/>
+          <a:srcRect/>
+          <a:stretch>
+            <a:fillRect/>
+          </a:stretch>
+        </p:blipFill>
+        <p:spPr bwMode="auto">
+          <a:xfrm>
+            <a:off x="8049069" y="3643314"/>
+            <a:ext cx="1094931" cy="940882"/>
+          </a:xfrm>
+          <a:prstGeom prst="rect">
+            <a:avLst/>
+          </a:prstGeom>
+          <a:noFill/>
+          <a:ln w="9525">
+            <a:noFill/>
+            <a:miter lim="800000"/>
+            <a:headEnd/>
+            <a:tailEnd/>
+          </a:ln>
+          <a:effectLst/>
+        </p:spPr>
+      </p:pic>
+      <p:sp>
+        <p:nvSpPr>
+          <p:cNvPr id="9" name="2 Marcador de contenido"/>
+          <p:cNvSpPr txBox="1">
+            <a:spLocks/>
+          </p:cNvSpPr>
+          <p:nvPr/>
+        </p:nvSpPr>
+        <p:spPr>
+          <a:xfrm>
+            <a:off x="6215074" y="2214554"/>
+            <a:ext cx="2928926" cy="3214710"/>
+          </a:xfrm>
+          <a:prstGeom prst="rect">
+            <a:avLst/>
+          </a:prstGeom>
+        </p:spPr>
+        <p:txBody>
+          <a:bodyPr vert="horz" lIns="91440" tIns="45720" rIns="91440" bIns="45720" rtlCol="0">
+            <a:noAutofit/>
+          </a:bodyPr>
+          <a:lstStyle/>
+          <a:p>
+            <a:pPr marR="0" lvl="0" indent="-342900" defTabSz="914400" rtl="0" eaLnBrk="1" fontAlgn="auto" latinLnBrk="0" hangingPunct="1">
+              <a:lnSpc>
+                <a:spcPct val="100000"/>
+              </a:lnSpc>
+              <a:spcBef>
+                <a:spcPct val="20000"/>
+              </a:spcBef>
+              <a:spcAft>
+                <a:spcPts val="0"/>
+              </a:spcAft>
+              <a:buClrTx/>
+              <a:buSzTx/>
+              <a:tabLst/>
+              <a:defRPr/>
+            </a:pPr>
+            <a:r>
+              <a:rPr lang="es-ES" sz="2300" dirty="0" smtClean="0"/>
+              <a:t>Tiburones más peligrosos</a:t>
+            </a:r>
+          </a:p>
+          <a:p>
+            <a:pPr marR="0" lvl="0" indent="-342900" defTabSz="914400" rtl="0" eaLnBrk="1" fontAlgn="auto" latinLnBrk="0" hangingPunct="1">
+              <a:lnSpc>
+                <a:spcPct val="100000"/>
+              </a:lnSpc>
+              <a:spcBef>
+                <a:spcPct val="20000"/>
+              </a:spcBef>
+              <a:spcAft>
+                <a:spcPts val="0"/>
+              </a:spcAft>
+              <a:buClrTx/>
+              <a:buSzTx/>
+              <a:tabLst/>
+              <a:defRPr/>
+            </a:pPr>
+            <a:r>
+              <a:rPr lang="es-ES" sz="2300" dirty="0" smtClean="0"/>
+              <a:t>(mortalidad &gt;20%):</a:t>
+            </a:r>
+          </a:p>
+          <a:p>
+            <a:pPr lvl="0" indent="-342900">
+              <a:spcBef>
+                <a:spcPct val="20000"/>
+              </a:spcBef>
+              <a:buFontTx/>
+              <a:buChar char="-"/>
+            </a:pPr>
+            <a:r>
+              <a:rPr lang="en-US" sz="2300" dirty="0" smtClean="0"/>
+              <a:t>tiger shark</a:t>
+            </a:r>
+          </a:p>
+          <a:p>
+            <a:pPr lvl="0" indent="-342900">
+              <a:spcBef>
+                <a:spcPct val="20000"/>
+              </a:spcBef>
+              <a:buFontTx/>
+              <a:buChar char="-"/>
+            </a:pPr>
+            <a:r>
+              <a:rPr lang="en-US" sz="2300" dirty="0" smtClean="0"/>
+              <a:t>white shark</a:t>
+            </a:r>
+          </a:p>
+          <a:p>
+            <a:pPr indent="-342900">
+              <a:spcBef>
+                <a:spcPct val="20000"/>
+              </a:spcBef>
+              <a:buFontTx/>
+              <a:buChar char="-"/>
+            </a:pPr>
+            <a:r>
+              <a:rPr lang="en-US" sz="2300" dirty="0" smtClean="0"/>
+              <a:t>bull </a:t>
+            </a:r>
+            <a:r>
+              <a:rPr lang="en-US" sz="2300" dirty="0" smtClean="0"/>
+              <a:t>shark</a:t>
+            </a:r>
+          </a:p>
+          <a:p>
+            <a:pPr lvl="0" indent="-342900">
+              <a:spcBef>
+                <a:spcPct val="20000"/>
+              </a:spcBef>
+              <a:buFontTx/>
+              <a:buChar char="-"/>
+            </a:pPr>
+            <a:r>
+              <a:rPr lang="en-US" sz="2300" dirty="0" smtClean="0"/>
+              <a:t>blue shark</a:t>
+            </a:r>
+          </a:p>
+          <a:p>
+            <a:pPr lvl="0" indent="-342900">
+              <a:spcBef>
+                <a:spcPct val="20000"/>
+              </a:spcBef>
+              <a:buFontTx/>
+              <a:buChar char="-"/>
+            </a:pPr>
+            <a:endParaRPr lang="es-ES" sz="2400" dirty="0" smtClean="0"/>
+          </a:p>
+        </p:txBody>
+      </p:sp>
+    </p:spTree>
+  </p:cSld>
+  <p:clrMapOvr>
+    <a:masterClrMapping/>
+  </p:clrMapOvr>
+  <p:timing>
+    <p:tnLst>
+      <p:par>
+        <p:cTn id="1" dur="indefinite" restart="never" nodeType="tmRoot"/>
+      </p:par>
+    </p:tnLst>
+  </p:timing>
 </p:sld>
 </file>
 
